--- a/DesignPatterns Presentation.pptx
+++ b/DesignPatterns Presentation.pptx
@@ -4017,45 +4017,10 @@
               <a:t> </a:t>
             </a:r>
             <a:r>
-              <a:rPr lang="de-AT" dirty="0" err="1"/>
-              <a:t>server</a:t>
-            </a:r>
-            <a:r>
-              <a:rPr lang="de-AT" dirty="0"/>
-              <a:t> and </a:t>
-            </a:r>
-            <a:r>
-              <a:rPr lang="de-AT" dirty="0" err="1"/>
-              <a:t>providing</a:t>
-            </a:r>
-            <a:r>
-              <a:rPr lang="de-AT" dirty="0"/>
-              <a:t> </a:t>
-            </a:r>
-            <a:r>
-              <a:rPr lang="de-AT" dirty="0" err="1"/>
-              <a:t>the</a:t>
-            </a:r>
-            <a:r>
-              <a:rPr lang="de-AT" dirty="0"/>
-              <a:t> </a:t>
-            </a:r>
-            <a:r>
-              <a:rPr lang="de-AT" dirty="0" err="1"/>
-              <a:t>slide</a:t>
-            </a:r>
-            <a:r>
-              <a:rPr lang="de-AT" dirty="0"/>
-              <a:t> </a:t>
-            </a:r>
-            <a:r>
-              <a:rPr lang="de-AT" dirty="0" err="1"/>
-              <a:t>template</a:t>
-            </a:r>
-            <a:r>
-              <a:rPr lang="de-AT" dirty="0"/>
-              <a:t>)</a:t>
-            </a:r>
+              <a:rPr lang="de-AT"/>
+              <a:t>server)</a:t>
+            </a:r>
+            <a:endParaRPr lang="de-AT" dirty="0"/>
           </a:p>
           <a:p>
             <a:endParaRPr lang="de-AT" dirty="0"/>
@@ -9366,12 +9331,9 @@
 </file>
 
 <file path=customXml/item1.xml><?xml version="1.0" encoding="utf-8"?>
-<?mso-contentType ?>
-<FormTemplates xmlns="http://schemas.microsoft.com/sharepoint/v3/contenttype/forms">
-  <Display>DocumentLibraryForm</Display>
-  <Edit>DocumentLibraryForm</Edit>
-  <New>DocumentLibraryForm</New>
-</FormTemplates>
+<p:properties xmlns:p="http://schemas.microsoft.com/office/2006/metadata/properties" xmlns:xsi="http://www.w3.org/2001/XMLSchema-instance" xmlns:pc="http://schemas.microsoft.com/office/infopath/2007/PartnerControls">
+  <documentManagement/>
+</p:properties>
 </file>
 
 <file path=customXml/item2.xml><?xml version="1.0" encoding="utf-8"?>
@@ -9521,15 +9483,26 @@
 </file>
 
 <file path=customXml/item3.xml><?xml version="1.0" encoding="utf-8"?>
-<p:properties xmlns:p="http://schemas.microsoft.com/office/2006/metadata/properties" xmlns:xsi="http://www.w3.org/2001/XMLSchema-instance" xmlns:pc="http://schemas.microsoft.com/office/infopath/2007/PartnerControls">
-  <documentManagement/>
-</p:properties>
+<?mso-contentType ?>
+<FormTemplates xmlns="http://schemas.microsoft.com/sharepoint/v3/contenttype/forms">
+  <Display>DocumentLibraryForm</Display>
+  <Edit>DocumentLibraryForm</Edit>
+  <New>DocumentLibraryForm</New>
+</FormTemplates>
 </file>
 
 <file path=customXml/itemProps1.xml><?xml version="1.0" encoding="utf-8"?>
-<ds:datastoreItem xmlns:ds="http://schemas.openxmlformats.org/officeDocument/2006/customXml" ds:itemID="{5918D909-D8C5-4573-A290-2652A2F6AD1F}">
+<ds:datastoreItem xmlns:ds="http://schemas.openxmlformats.org/officeDocument/2006/customXml" ds:itemID="{6CB03358-5C87-41BE-8D77-E5319D8202FC}">
   <ds:schemaRefs>
-    <ds:schemaRef ds:uri="http://schemas.microsoft.com/sharepoint/v3/contenttype/forms"/>
+    <ds:schemaRef ds:uri="http://purl.org/dc/dcmitype/"/>
+    <ds:schemaRef ds:uri="http://schemas.openxmlformats.org/package/2006/metadata/core-properties"/>
+    <ds:schemaRef ds:uri="http://schemas.microsoft.com/office/infopath/2007/PartnerControls"/>
+    <ds:schemaRef ds:uri="http://schemas.microsoft.com/office/2006/documentManagement/types"/>
+    <ds:schemaRef ds:uri="http://schemas.microsoft.com/office/2006/metadata/properties"/>
+    <ds:schemaRef ds:uri="http://purl.org/dc/elements/1.1/"/>
+    <ds:schemaRef ds:uri="ccccc338-6df3-44bc-989e-42f025707ecb"/>
+    <ds:schemaRef ds:uri="http://www.w3.org/XML/1998/namespace"/>
+    <ds:schemaRef ds:uri="http://purl.org/dc/terms/"/>
   </ds:schemaRefs>
 </ds:datastoreItem>
 </file>
@@ -9553,17 +9526,9 @@
 </file>
 
 <file path=customXml/itemProps3.xml><?xml version="1.0" encoding="utf-8"?>
-<ds:datastoreItem xmlns:ds="http://schemas.openxmlformats.org/officeDocument/2006/customXml" ds:itemID="{6CB03358-5C87-41BE-8D77-E5319D8202FC}">
+<ds:datastoreItem xmlns:ds="http://schemas.openxmlformats.org/officeDocument/2006/customXml" ds:itemID="{5918D909-D8C5-4573-A290-2652A2F6AD1F}">
   <ds:schemaRefs>
-    <ds:schemaRef ds:uri="http://purl.org/dc/dcmitype/"/>
-    <ds:schemaRef ds:uri="http://schemas.openxmlformats.org/package/2006/metadata/core-properties"/>
-    <ds:schemaRef ds:uri="http://schemas.microsoft.com/office/infopath/2007/PartnerControls"/>
-    <ds:schemaRef ds:uri="http://schemas.microsoft.com/office/2006/documentManagement/types"/>
-    <ds:schemaRef ds:uri="http://schemas.microsoft.com/office/2006/metadata/properties"/>
-    <ds:schemaRef ds:uri="http://purl.org/dc/elements/1.1/"/>
-    <ds:schemaRef ds:uri="ccccc338-6df3-44bc-989e-42f025707ecb"/>
-    <ds:schemaRef ds:uri="http://www.w3.org/XML/1998/namespace"/>
-    <ds:schemaRef ds:uri="http://purl.org/dc/terms/"/>
+    <ds:schemaRef ds:uri="http://schemas.microsoft.com/sharepoint/v3/contenttype/forms"/>
   </ds:schemaRefs>
 </ds:datastoreItem>
 </file>